--- a/Fig/Paper Figs/vertebral_EE_SvM_S_Trajectory_pp.pptx
+++ b/Fig/Paper Figs/vertebral_EE_SvM_S_Trajectory_pp.pptx
@@ -156,14 +156,6 @@
           </a:p>
         </c:rich>
       </c:tx>
-      <c:layout>
-        <c:manualLayout>
-          <c:xMode val="edge"/>
-          <c:yMode val="edge"/>
-          <c:x val="0.39131459954218722"/>
-          <c:y val="2.1027423704092822E-2"/>
-        </c:manualLayout>
-      </c:layout>
       <c:overlay val="0"/>
       <c:spPr>
         <a:noFill/>
@@ -314,7 +306,7 @@
         <c:axId val="371575536"/>
         <c:scaling>
           <c:orientation val="minMax"/>
-          <c:min val="0.5"/>
+          <c:min val="0"/>
         </c:scaling>
         <c:delete val="1"/>
         <c:axPos val="b"/>
@@ -1084,7 +1076,7 @@
           <a:p>
             <a:fld id="{138CB073-0B43-7C4C-92F3-ADE7049596A2}" type="datetimeFigureOut">
               <a:rPr lang="en-US" smtClean="0"/>
-              <a:t>1/8/23</a:t>
+              <a:t>1/9/23</a:t>
             </a:fld>
             <a:endParaRPr lang="en-US"/>
           </a:p>
@@ -1610,7 +1602,7 @@
           <a:p>
             <a:fld id="{DB3942BE-A81F-C544-AF82-2E6DB51585C4}" type="datetimeFigureOut">
               <a:rPr lang="en-US" smtClean="0"/>
-              <a:t>1/8/23</a:t>
+              <a:t>1/9/23</a:t>
             </a:fld>
             <a:endParaRPr lang="en-US"/>
           </a:p>
@@ -1808,7 +1800,7 @@
           <a:p>
             <a:fld id="{DB3942BE-A81F-C544-AF82-2E6DB51585C4}" type="datetimeFigureOut">
               <a:rPr lang="en-US" smtClean="0"/>
-              <a:t>1/8/23</a:t>
+              <a:t>1/9/23</a:t>
             </a:fld>
             <a:endParaRPr lang="en-US"/>
           </a:p>
@@ -2016,7 +2008,7 @@
           <a:p>
             <a:fld id="{DB3942BE-A81F-C544-AF82-2E6DB51585C4}" type="datetimeFigureOut">
               <a:rPr lang="en-US" smtClean="0"/>
-              <a:t>1/8/23</a:t>
+              <a:t>1/9/23</a:t>
             </a:fld>
             <a:endParaRPr lang="en-US"/>
           </a:p>
@@ -2214,7 +2206,7 @@
           <a:p>
             <a:fld id="{DB3942BE-A81F-C544-AF82-2E6DB51585C4}" type="datetimeFigureOut">
               <a:rPr lang="en-US" smtClean="0"/>
-              <a:t>1/8/23</a:t>
+              <a:t>1/9/23</a:t>
             </a:fld>
             <a:endParaRPr lang="en-US"/>
           </a:p>
@@ -2489,7 +2481,7 @@
           <a:p>
             <a:fld id="{DB3942BE-A81F-C544-AF82-2E6DB51585C4}" type="datetimeFigureOut">
               <a:rPr lang="en-US" smtClean="0"/>
-              <a:t>1/8/23</a:t>
+              <a:t>1/9/23</a:t>
             </a:fld>
             <a:endParaRPr lang="en-US"/>
           </a:p>
@@ -2754,7 +2746,7 @@
           <a:p>
             <a:fld id="{DB3942BE-A81F-C544-AF82-2E6DB51585C4}" type="datetimeFigureOut">
               <a:rPr lang="en-US" smtClean="0"/>
-              <a:t>1/8/23</a:t>
+              <a:t>1/9/23</a:t>
             </a:fld>
             <a:endParaRPr lang="en-US"/>
           </a:p>
@@ -3166,7 +3158,7 @@
           <a:p>
             <a:fld id="{DB3942BE-A81F-C544-AF82-2E6DB51585C4}" type="datetimeFigureOut">
               <a:rPr lang="en-US" smtClean="0"/>
-              <a:t>1/8/23</a:t>
+              <a:t>1/9/23</a:t>
             </a:fld>
             <a:endParaRPr lang="en-US"/>
           </a:p>
@@ -3307,7 +3299,7 @@
           <a:p>
             <a:fld id="{DB3942BE-A81F-C544-AF82-2E6DB51585C4}" type="datetimeFigureOut">
               <a:rPr lang="en-US" smtClean="0"/>
-              <a:t>1/8/23</a:t>
+              <a:t>1/9/23</a:t>
             </a:fld>
             <a:endParaRPr lang="en-US"/>
           </a:p>
@@ -3420,7 +3412,7 @@
           <a:p>
             <a:fld id="{DB3942BE-A81F-C544-AF82-2E6DB51585C4}" type="datetimeFigureOut">
               <a:rPr lang="en-US" smtClean="0"/>
-              <a:t>1/8/23</a:t>
+              <a:t>1/9/23</a:t>
             </a:fld>
             <a:endParaRPr lang="en-US"/>
           </a:p>
@@ -3731,7 +3723,7 @@
           <a:p>
             <a:fld id="{DB3942BE-A81F-C544-AF82-2E6DB51585C4}" type="datetimeFigureOut">
               <a:rPr lang="en-US" smtClean="0"/>
-              <a:t>1/8/23</a:t>
+              <a:t>1/9/23</a:t>
             </a:fld>
             <a:endParaRPr lang="en-US"/>
           </a:p>
@@ -4019,7 +4011,7 @@
           <a:p>
             <a:fld id="{DB3942BE-A81F-C544-AF82-2E6DB51585C4}" type="datetimeFigureOut">
               <a:rPr lang="en-US" smtClean="0"/>
-              <a:t>1/8/23</a:t>
+              <a:t>1/9/23</a:t>
             </a:fld>
             <a:endParaRPr lang="en-US"/>
           </a:p>
@@ -4260,7 +4252,7 @@
           <a:p>
             <a:fld id="{DB3942BE-A81F-C544-AF82-2E6DB51585C4}" type="datetimeFigureOut">
               <a:rPr lang="en-US" smtClean="0"/>
-              <a:t>1/8/23</a:t>
+              <a:t>1/9/23</a:t>
             </a:fld>
             <a:endParaRPr lang="en-US"/>
           </a:p>
@@ -4690,7 +4682,7 @@
           <p:nvPr>
             <p:extLst>
               <p:ext uri="{D42A27DB-BD31-4B8C-83A1-F6EECF244321}">
-                <p14:modId xmlns:p14="http://schemas.microsoft.com/office/powerpoint/2010/main" val="3159842068"/>
+                <p14:modId xmlns:p14="http://schemas.microsoft.com/office/powerpoint/2010/main" val="4104690820"/>
               </p:ext>
             </p:extLst>
           </p:nvPr>
@@ -4719,7 +4711,7 @@
         </p:nvSpPr>
         <p:spPr>
           <a:xfrm rot="4989766">
-            <a:off x="7775494" y="1688146"/>
+            <a:off x="7632627" y="1692637"/>
             <a:ext cx="253277" cy="249133"/>
           </a:xfrm>
           <a:prstGeom prst="triangle">
@@ -4844,8 +4836,8 @@
           <p:nvPr/>
         </p:nvSpPr>
         <p:spPr>
-          <a:xfrm rot="1069633">
-            <a:off x="4496122" y="2650386"/>
+          <a:xfrm rot="1089550">
+            <a:off x="4783730" y="2649917"/>
             <a:ext cx="253277" cy="249133"/>
           </a:xfrm>
           <a:prstGeom prst="triangle">
@@ -4890,8 +4882,8 @@
           <p:nvPr/>
         </p:nvSpPr>
         <p:spPr>
-          <a:xfrm rot="3789103">
-            <a:off x="5544652" y="2024554"/>
+          <a:xfrm rot="3590247">
+            <a:off x="5686583" y="2028582"/>
             <a:ext cx="253277" cy="249133"/>
           </a:xfrm>
           <a:prstGeom prst="triangle">
@@ -4936,8 +4928,8 @@
           <p:nvPr/>
         </p:nvSpPr>
         <p:spPr>
-          <a:xfrm rot="3530322">
-            <a:off x="8904575" y="1055464"/>
+          <a:xfrm rot="3358851">
+            <a:off x="8631952" y="1063254"/>
             <a:ext cx="253277" cy="249133"/>
           </a:xfrm>
           <a:prstGeom prst="triangle">
@@ -4983,7 +4975,7 @@
         </p:nvSpPr>
         <p:spPr>
           <a:xfrm rot="5072100">
-            <a:off x="10020088" y="917536"/>
+            <a:off x="9592303" y="917537"/>
             <a:ext cx="253277" cy="249133"/>
           </a:xfrm>
           <a:prstGeom prst="triangle">
@@ -5029,7 +5021,7 @@
         </p:nvSpPr>
         <p:spPr>
           <a:xfrm rot="4940385">
-            <a:off x="6652169" y="1831578"/>
+            <a:off x="6652169" y="1834753"/>
             <a:ext cx="253277" cy="249133"/>
           </a:xfrm>
           <a:prstGeom prst="triangle">
@@ -5075,7 +5067,7 @@
         </p:nvSpPr>
         <p:spPr>
           <a:xfrm>
-            <a:off x="4570500" y="2897815"/>
+            <a:off x="4795925" y="2881081"/>
             <a:ext cx="2690634" cy="353943"/>
           </a:xfrm>
           <a:prstGeom prst="rect">
@@ -5158,7 +5150,7 @@
         </p:nvSpPr>
         <p:spPr>
           <a:xfrm>
-            <a:off x="8040890" y="1637059"/>
+            <a:off x="7898023" y="1666217"/>
             <a:ext cx="3059112" cy="353943"/>
           </a:xfrm>
           <a:prstGeom prst="rect">
@@ -5197,7 +5189,7 @@
         </p:nvSpPr>
         <p:spPr>
           <a:xfrm>
-            <a:off x="5461221" y="2280628"/>
+            <a:off x="5559646" y="2282494"/>
             <a:ext cx="3511997" cy="353943"/>
           </a:xfrm>
           <a:prstGeom prst="rect">
@@ -5236,7 +5228,7 @@
         </p:nvSpPr>
         <p:spPr>
           <a:xfrm>
-            <a:off x="6090657" y="1052580"/>
+            <a:off x="5846765" y="1031146"/>
             <a:ext cx="2896394" cy="353943"/>
           </a:xfrm>
           <a:prstGeom prst="rect">
@@ -5275,7 +5267,7 @@
         </p:nvSpPr>
         <p:spPr>
           <a:xfrm>
-            <a:off x="6952257" y="740300"/>
+            <a:off x="6542682" y="745488"/>
             <a:ext cx="3108447" cy="353943"/>
           </a:xfrm>
           <a:prstGeom prst="rect">
@@ -5302,6 +5294,42 @@
               <a:t>qn</a:t>
             </a:r>
             <a:endParaRPr lang="en-US" sz="1700" dirty="0"/>
+          </a:p>
+        </p:txBody>
+      </p:sp>
+      <p:sp>
+        <p:nvSpPr>
+          <p:cNvPr id="2" name="TextBox 1">
+            <a:extLst>
+              <a:ext uri="{FF2B5EF4-FFF2-40B4-BE49-F238E27FC236}">
+                <a16:creationId xmlns:a16="http://schemas.microsoft.com/office/drawing/2014/main" id="{0EDF078F-EC44-6DF2-6204-E13A602B1176}"/>
+              </a:ext>
+            </a:extLst>
+          </p:cNvPr>
+          <p:cNvSpPr txBox="1"/>
+          <p:nvPr/>
+        </p:nvSpPr>
+        <p:spPr>
+          <a:xfrm>
+            <a:off x="2987900" y="6090971"/>
+            <a:ext cx="7834588" cy="430887"/>
+          </a:xfrm>
+          <a:prstGeom prst="rect">
+            <a:avLst/>
+          </a:prstGeom>
+          <a:noFill/>
+        </p:spPr>
+        <p:txBody>
+          <a:bodyPr wrap="square" rtlCol="0">
+            <a:spAutoFit/>
+          </a:bodyPr>
+          <a:lstStyle/>
+          <a:p>
+            <a:pPr algn="ctr"/>
+            <a:r>
+              <a:rPr lang="en-US" sz="2200" dirty="0"/>
+              <a:t>Steps</a:t>
+            </a:r>
           </a:p>
         </p:txBody>
       </p:sp>
